--- a/Pentrix-presentacion.pptx
+++ b/Pentrix-presentacion.pptx
@@ -119,7 +119,7 @@
 </file>
 
 <file path=ppt/slideLayouts/slideLayout1.xml><?xml version="1.0" encoding="utf-8"?>
-<p:sldLayout xmlns:a="http://schemas.openxmlformats.org/drawingml/2006/main" xmlns:r="http://schemas.openxmlformats.org/officeDocument/2006/relationships" xmlns:p="http://schemas.openxmlformats.org/presentationml/2006/main" showMasterSp="0" type="title" preserve="1">
+<p:sldLayout xmlns:a="http://schemas.openxmlformats.org/drawingml/2006/main" xmlns:r="http://schemas.openxmlformats.org/officeDocument/2006/relationships" xmlns:p="http://schemas.openxmlformats.org/presentationml/2006/main" type="title" preserve="1">
   <p:cSld name="Diapositiva de título">
     <p:spTree>
       <p:nvGrpSpPr>
@@ -4633,9 +4633,18 @@
 <p:sldMaster xmlns:a="http://schemas.openxmlformats.org/drawingml/2006/main" xmlns:r="http://schemas.openxmlformats.org/officeDocument/2006/relationships" xmlns:p="http://schemas.openxmlformats.org/presentationml/2006/main">
   <p:cSld>
     <p:bg>
-      <p:bgRef idx="1001">
-        <a:schemeClr val="bg1"/>
-      </p:bgRef>
+      <p:bgPr>
+        <a:blipFill dpi="0" rotWithShape="1">
+          <a:blip r:embed="rId18">
+            <a:lum/>
+          </a:blip>
+          <a:srcRect/>
+          <a:stretch>
+            <a:fillRect/>
+          </a:stretch>
+        </a:blipFill>
+        <a:effectLst/>
+      </p:bgPr>
     </p:bg>
     <p:spTree>
       <p:nvGrpSpPr>
@@ -5981,48 +5990,84 @@
             <p:ph idx="1"/>
           </p:nvPr>
         </p:nvSpPr>
-        <p:spPr/>
+        <p:spPr>
+          <a:xfrm>
+            <a:off x="677334" y="2190085"/>
+            <a:ext cx="8596668" cy="3880773"/>
+          </a:xfrm>
+        </p:spPr>
         <p:txBody>
           <a:bodyPr/>
           <a:lstStyle/>
           <a:p>
             <a:r>
-              <a:rPr lang="es-MX" dirty="0" smtClean="0"/>
+              <a:rPr lang="es-MX" dirty="0" smtClean="0">
+                <a:solidFill>
+                  <a:schemeClr val="bg1"/>
+                </a:solidFill>
+              </a:rPr>
               <a:t>Desarrollar un juego innovador.</a:t>
             </a:r>
           </a:p>
           <a:p>
             <a:r>
-              <a:rPr lang="es-MX" dirty="0" err="1" smtClean="0"/>
+              <a:rPr lang="es-MX" dirty="0" err="1" smtClean="0">
+                <a:solidFill>
+                  <a:schemeClr val="bg1"/>
+                </a:solidFill>
+              </a:rPr>
               <a:t>Pentrix</a:t>
             </a:r>
             <a:r>
-              <a:rPr lang="es-MX" dirty="0" smtClean="0"/>
+              <a:rPr lang="es-MX" dirty="0" smtClean="0">
+                <a:solidFill>
+                  <a:schemeClr val="bg1"/>
+                </a:solidFill>
+              </a:rPr>
               <a:t> pretende ser una versión diferente a los demás juegos de </a:t>
             </a:r>
             <a:r>
-              <a:rPr lang="es-MX" dirty="0" err="1" smtClean="0"/>
+              <a:rPr lang="es-MX" dirty="0" err="1" smtClean="0">
+                <a:solidFill>
+                  <a:schemeClr val="bg1"/>
+                </a:solidFill>
+              </a:rPr>
               <a:t>Tetris</a:t>
             </a:r>
             <a:r>
-              <a:rPr lang="es-MX" dirty="0" smtClean="0"/>
+              <a:rPr lang="es-MX" dirty="0" smtClean="0">
+                <a:solidFill>
+                  <a:schemeClr val="bg1"/>
+                </a:solidFill>
+              </a:rPr>
               <a:t> existentes</a:t>
             </a:r>
             <a:r>
-              <a:rPr lang="es-MX" dirty="0"/>
+              <a:rPr lang="es-MX" dirty="0">
+                <a:solidFill>
+                  <a:schemeClr val="bg1"/>
+                </a:solidFill>
+              </a:rPr>
               <a:t>.</a:t>
             </a:r>
             <a:r>
-              <a:rPr lang="es-MX" dirty="0" smtClean="0"/>
+              <a:rPr lang="es-MX" dirty="0" smtClean="0">
+                <a:solidFill>
+                  <a:schemeClr val="bg1"/>
+                </a:solidFill>
+              </a:rPr>
               <a:t> </a:t>
             </a:r>
           </a:p>
           <a:p>
             <a:r>
-              <a:rPr lang="es-MX" dirty="0" smtClean="0"/>
+              <a:rPr lang="es-MX" dirty="0" smtClean="0">
+                <a:solidFill>
+                  <a:schemeClr val="bg1"/>
+                </a:solidFill>
+              </a:rPr>
               <a:t>Integración de nuevas figuras.</a:t>
             </a:r>
-            <a:endParaRPr lang="es-MX" dirty="0" smtClean="0"/>
           </a:p>
         </p:txBody>
       </p:sp>
@@ -6473,23 +6518,43 @@
           <a:lstStyle/>
           <a:p>
             <a:r>
-              <a:rPr lang="es-MX" dirty="0" smtClean="0"/>
+              <a:rPr lang="es-MX" dirty="0" smtClean="0">
+                <a:solidFill>
+                  <a:schemeClr val="bg1"/>
+                </a:solidFill>
+              </a:rPr>
               <a:t>Integración de la plataforma en </a:t>
             </a:r>
             <a:r>
-              <a:rPr lang="es-MX" dirty="0" err="1" smtClean="0"/>
+              <a:rPr lang="es-MX" dirty="0" err="1" smtClean="0">
+                <a:solidFill>
+                  <a:schemeClr val="bg1"/>
+                </a:solidFill>
+              </a:rPr>
               <a:t>Android</a:t>
             </a:r>
             <a:r>
-              <a:rPr lang="es-MX" dirty="0" smtClean="0"/>
+              <a:rPr lang="es-MX" dirty="0" smtClean="0">
+                <a:solidFill>
+                  <a:schemeClr val="bg1"/>
+                </a:solidFill>
+              </a:rPr>
               <a:t> utilizando RAPT</a:t>
             </a:r>
           </a:p>
           <a:p>
-            <a:endParaRPr lang="es-MX" dirty="0"/>
-          </a:p>
-          <a:p>
-            <a:endParaRPr lang="es-MX" dirty="0"/>
+            <a:endParaRPr lang="es-MX" dirty="0">
+              <a:solidFill>
+                <a:schemeClr val="bg1"/>
+              </a:solidFill>
+            </a:endParaRPr>
+          </a:p>
+          <a:p>
+            <a:endParaRPr lang="es-MX" dirty="0">
+              <a:solidFill>
+                <a:schemeClr val="bg1"/>
+              </a:solidFill>
+            </a:endParaRPr>
           </a:p>
         </p:txBody>
       </p:sp>
